--- a/lectures/lecture-28/draft.pptx
+++ b/lectures/lecture-28/draft.pptx
@@ -199,7 +199,7 @@
           <a:p>
             <a:fld id="{9F16E362-832A-824E-B063-25F5DE831740}" type="datetimeFigureOut">
               <a:rPr lang="en-RU" smtClean="0"/>
-              <a:t>02.05.2022</a:t>
+              <a:t>11.05.2022</a:t>
             </a:fld>
             <a:endParaRPr lang="en-RU"/>
           </a:p>
@@ -2201,7 +2201,7 @@
         <p:spPr>
           <a:xfrm>
             <a:off x="544424" y="3429000"/>
-            <a:ext cx="10401872" cy="2926886"/>
+            <a:ext cx="10848506" cy="2926886"/>
           </a:xfrm>
           <a:effectLst>
             <a:softEdge rad="0"/>
@@ -2230,10 +2230,22 @@
           </a:p>
           <a:p>
             <a:r>
-              <a:rPr lang="en-US" sz="3800" dirty="0">
+              <a:rPr lang="en-US" sz="3000" dirty="0">
                 <a:latin typeface="Helvetica" pitchFamily="2" charset="0"/>
               </a:rPr>
-              <a:t>SFINAE, std::vector implementation in C++ 17</a:t>
+              <a:t>C++ 20, the big four: concepts, ranges, </a:t>
+            </a:r>
+            <a:r>
+              <a:rPr lang="en-US" sz="3000" dirty="0" err="1">
+                <a:latin typeface="Helvetica" pitchFamily="2" charset="0"/>
+              </a:rPr>
+              <a:t>couroutines</a:t>
+            </a:r>
+            <a:r>
+              <a:rPr lang="en-US" sz="3000" dirty="0">
+                <a:latin typeface="Helvetica" pitchFamily="2" charset="0"/>
+              </a:rPr>
+              <a:t>, modules</a:t>
             </a:r>
           </a:p>
           <a:p>
@@ -2480,8 +2492,8 @@
         </p:nvSpPr>
         <p:spPr>
           <a:xfrm>
-            <a:off x="544424" y="3429000"/>
-            <a:ext cx="10401872" cy="2926886"/>
+            <a:off x="544423" y="3429000"/>
+            <a:ext cx="10873219" cy="2926886"/>
           </a:xfrm>
           <a:effectLst>
             <a:softEdge rad="0"/>
@@ -2510,10 +2522,22 @@
           </a:p>
           <a:p>
             <a:r>
-              <a:rPr lang="en-US" sz="3800" dirty="0">
+              <a:rPr lang="en-US" sz="3000" dirty="0">
                 <a:latin typeface="Helvetica" pitchFamily="2" charset="0"/>
               </a:rPr>
-              <a:t>SFINAE, std::vector implementation in C++ 17</a:t>
+              <a:t>C++ 20, the big four: concepts, ranges, </a:t>
+            </a:r>
+            <a:r>
+              <a:rPr lang="en-US" sz="3000" dirty="0" err="1">
+                <a:latin typeface="Helvetica" pitchFamily="2" charset="0"/>
+              </a:rPr>
+              <a:t>couroutines</a:t>
+            </a:r>
+            <a:r>
+              <a:rPr lang="en-US" sz="3000" dirty="0">
+                <a:latin typeface="Helvetica" pitchFamily="2" charset="0"/>
+              </a:rPr>
+              <a:t>, modules</a:t>
             </a:r>
           </a:p>
           <a:p>
